--- a/ProjetoOcorrencias.pptx
+++ b/ProjetoOcorrencias.pptx
@@ -213,7 +213,7 @@
           <a:p>
             <a:fld id="{CAF05132-4288-4164-B1CA-F5AC1CC796A7}" type="datetime1">
               <a:rPr lang="pt-BR" smtClean="0"/>
-              <a:t>14/07/2022</a:t>
+              <a:t>15/07/2022</a:t>
             </a:fld>
             <a:endParaRPr lang="pt-BR" dirty="0"/>
           </a:p>
@@ -381,7 +381,7 @@
             <a:pPr rtl="0"/>
             <a:fld id="{437FA0DA-72A3-424F-8A35-066434C5B9F1}" type="datetime1">
               <a:rPr lang="pt-BR" noProof="0" smtClean="0"/>
-              <a:t>14/07/2022</a:t>
+              <a:t>15/07/2022</a:t>
             </a:fld>
             <a:endParaRPr lang="pt-BR" noProof="0" dirty="0"/>
           </a:p>
@@ -1835,7 +1835,7 @@
             <a:pPr rtl="0"/>
             <a:fld id="{F0354758-9FD6-46D3-BA08-042BE364EA46}" type="datetime1">
               <a:rPr lang="pt-BR" noProof="0" smtClean="0"/>
-              <a:t>14/07/2022</a:t>
+              <a:t>15/07/2022</a:t>
             </a:fld>
             <a:endParaRPr lang="pt-BR" noProof="0" dirty="0"/>
           </a:p>
@@ -2145,7 +2145,7 @@
             <a:pPr rtl="0"/>
             <a:fld id="{EC8ECD64-5AF2-4F32-AD18-136C465DC047}" type="datetime1">
               <a:rPr lang="pt-BR" noProof="0" smtClean="0"/>
-              <a:t>14/07/2022</a:t>
+              <a:t>15/07/2022</a:t>
             </a:fld>
             <a:endParaRPr lang="pt-BR" noProof="0" dirty="0"/>
           </a:p>
@@ -2343,7 +2343,7 @@
             <a:pPr rtl="0"/>
             <a:fld id="{83F6B3D0-4304-407F-B819-80FF4D568789}" type="datetime1">
               <a:rPr lang="pt-BR" noProof="0" smtClean="0"/>
-              <a:t>14/07/2022</a:t>
+              <a:t>15/07/2022</a:t>
             </a:fld>
             <a:endParaRPr lang="pt-BR" noProof="0" dirty="0"/>
           </a:p>
@@ -2610,7 +2610,7 @@
             <a:pPr rtl="0"/>
             <a:fld id="{16F363FB-ECEA-4A76-B765-85460030C156}" type="datetime1">
               <a:rPr lang="pt-BR" noProof="0" smtClean="0"/>
-              <a:t>14/07/2022</a:t>
+              <a:t>15/07/2022</a:t>
             </a:fld>
             <a:endParaRPr lang="pt-BR" noProof="0" dirty="0"/>
           </a:p>
@@ -3050,7 +3050,7 @@
             <a:pPr rtl="0"/>
             <a:fld id="{EF319CEA-9EF4-4A65-A004-44DCCF154232}" type="datetime1">
               <a:rPr lang="pt-BR" noProof="0" smtClean="0"/>
-              <a:t>14/07/2022</a:t>
+              <a:t>15/07/2022</a:t>
             </a:fld>
             <a:endParaRPr lang="pt-BR" noProof="0" dirty="0"/>
           </a:p>
@@ -3591,7 +3591,7 @@
             <a:pPr rtl="0"/>
             <a:fld id="{1591AA47-C612-4DA8-B151-4B748B7DAC4D}" type="datetime1">
               <a:rPr lang="pt-BR" noProof="0" smtClean="0"/>
-              <a:t>14/07/2022</a:t>
+              <a:t>15/07/2022</a:t>
             </a:fld>
             <a:endParaRPr lang="pt-BR" noProof="0" dirty="0"/>
           </a:p>
@@ -4480,7 +4480,7 @@
             <a:pPr rtl="0"/>
             <a:fld id="{DC27F2B2-02FF-4D65-8FE7-F6AE0D863843}" type="datetime1">
               <a:rPr lang="pt-BR" noProof="0" smtClean="0"/>
-              <a:t>14/07/2022</a:t>
+              <a:t>15/07/2022</a:t>
             </a:fld>
             <a:endParaRPr lang="pt-BR" noProof="0" dirty="0"/>
           </a:p>
@@ -4654,7 +4654,7 @@
             <a:pPr rtl="0"/>
             <a:fld id="{31A070AB-0B0E-4B2D-804F-566417906A61}" type="datetime1">
               <a:rPr lang="pt-BR" noProof="0" smtClean="0"/>
-              <a:t>14/07/2022</a:t>
+              <a:t>15/07/2022</a:t>
             </a:fld>
             <a:endParaRPr lang="pt-BR" noProof="0" dirty="0"/>
           </a:p>
@@ -4902,7 +4902,7 @@
             <a:pPr rtl="0"/>
             <a:fld id="{028BC9E8-30A4-4EE6-BB83-B04327D9020A}" type="datetime1">
               <a:rPr lang="pt-BR" noProof="0" smtClean="0"/>
-              <a:t>14/07/2022</a:t>
+              <a:t>15/07/2022</a:t>
             </a:fld>
             <a:endParaRPr lang="pt-BR" noProof="0" dirty="0"/>
           </a:p>
@@ -5148,7 +5148,7 @@
             <a:pPr rtl="0"/>
             <a:fld id="{6D2B272B-E9E3-4682-90D8-4B44853FAF6D}" type="datetime1">
               <a:rPr lang="pt-BR" noProof="0" smtClean="0"/>
-              <a:t>14/07/2022</a:t>
+              <a:t>15/07/2022</a:t>
             </a:fld>
             <a:endParaRPr lang="pt-BR" noProof="0" dirty="0"/>
           </a:p>
@@ -5635,7 +5635,7 @@
             <a:pPr rtl="0"/>
             <a:fld id="{0655272F-B51B-4957-97B0-074D18FB99AD}" type="datetime1">
               <a:rPr lang="pt-BR" noProof="0" smtClean="0"/>
-              <a:t>14/07/2022</a:t>
+              <a:t>15/07/2022</a:t>
             </a:fld>
             <a:endParaRPr lang="pt-BR" noProof="0" dirty="0"/>
           </a:p>
@@ -5757,7 +5757,7 @@
             <a:pPr rtl="0"/>
             <a:fld id="{C1056502-BDB4-46EE-9217-C5A23E5BE0CE}" type="datetime1">
               <a:rPr lang="pt-BR" noProof="0" smtClean="0"/>
-              <a:t>14/07/2022</a:t>
+              <a:t>15/07/2022</a:t>
             </a:fld>
             <a:endParaRPr lang="pt-BR" noProof="0" dirty="0"/>
           </a:p>
@@ -5855,7 +5855,7 @@
             <a:pPr rtl="0"/>
             <a:fld id="{05E6A84A-F340-402E-97D3-C59F51FBE66F}" type="datetime1">
               <a:rPr lang="pt-BR" noProof="0" smtClean="0"/>
-              <a:t>14/07/2022</a:t>
+              <a:t>15/07/2022</a:t>
             </a:fld>
             <a:endParaRPr lang="pt-BR" noProof="0" dirty="0"/>
           </a:p>
@@ -6114,7 +6114,7 @@
             <a:pPr rtl="0"/>
             <a:fld id="{50C5BF86-AA12-49E0-AC44-8E2B1E4B1B72}" type="datetime1">
               <a:rPr lang="pt-BR" noProof="0" smtClean="0"/>
-              <a:t>14/07/2022</a:t>
+              <a:t>15/07/2022</a:t>
             </a:fld>
             <a:endParaRPr lang="pt-BR" noProof="0" dirty="0"/>
           </a:p>
@@ -6426,7 +6426,7 @@
             <a:pPr rtl="0"/>
             <a:fld id="{685EFD07-A8B9-401F-868B-7649A9F826C1}" type="datetime1">
               <a:rPr lang="pt-BR" noProof="0" smtClean="0"/>
-              <a:t>14/07/2022</a:t>
+              <a:t>15/07/2022</a:t>
             </a:fld>
             <a:endParaRPr lang="pt-BR" noProof="0" dirty="0"/>
           </a:p>
@@ -6662,7 +6662,7 @@
             <a:pPr rtl="0"/>
             <a:fld id="{76D0790B-18CF-4284-B479-4F95A66DEDDE}" type="datetime1">
               <a:rPr lang="pt-BR" noProof="0" smtClean="0"/>
-              <a:t>14/07/2022</a:t>
+              <a:t>15/07/2022</a:t>
             </a:fld>
             <a:endParaRPr lang="pt-BR" noProof="0" dirty="0"/>
           </a:p>
@@ -7370,7 +7370,7 @@
                 <a16:creationId xmlns:a16="http://schemas.microsoft.com/office/drawing/2014/main" id="{F8A1C807-B9AD-4C9B-BF9F-60F03428998E}"/>
               </a:ext>
               <a:ext uri="{C183D7F6-B498-43B3-948B-1728B52AA6E4}">
-                <adec:decorative xmlns:adec="http://schemas.microsoft.com/office/drawing/2017/decorative" val="1"/>
+                <adec:decorative xmlns:adec="http://schemas.microsoft.com/office/drawing/2017/decorative" xmlns="" val="1"/>
               </a:ext>
             </a:extLst>
           </p:cNvPr>
@@ -7408,7 +7408,7 @@
                 <a16:creationId xmlns:a16="http://schemas.microsoft.com/office/drawing/2014/main" id="{FE469E50-3893-4ED6-92BA-2985C32B0CA6}"/>
               </a:ext>
               <a:ext uri="{C183D7F6-B498-43B3-948B-1728B52AA6E4}">
-                <adec:decorative xmlns:adec="http://schemas.microsoft.com/office/drawing/2017/decorative" val="1"/>
+                <adec:decorative xmlns:adec="http://schemas.microsoft.com/office/drawing/2017/decorative" xmlns="" val="1"/>
               </a:ext>
             </a:extLst>
           </p:cNvPr>
@@ -7582,7 +7582,7 @@
           </a:effectLst>
           <a:extLst>
             <a:ext uri="{91240B29-F687-4f45-9708-019B960494DF}">
-              <a14:hiddenLine xmlns="" xmlns:a14="http://schemas.microsoft.com/office/drawing/2010/main" xmlns:a16="http://schemas.microsoft.com/office/drawing/2014/main" xmlns:p14="http://schemas.microsoft.com/office/powerpoint/2010/main" w="9525">
+              <a14:hiddenLine xmlns:p14="http://schemas.microsoft.com/office/powerpoint/2010/main" xmlns:a16="http://schemas.microsoft.com/office/drawing/2014/main" xmlns:a14="http://schemas.microsoft.com/office/drawing/2010/main" xmlns="" w="9525">
                 <a:solidFill>
                   <a:srgbClr val="000000"/>
                 </a:solidFill>
@@ -7723,8 +7723,13 @@
             <a:pPr algn="l" rtl="0"/>
             <a:r>
               <a:rPr lang="pt-BR" sz="2300" dirty="0"/>
-              <a:t>-Nicolas</a:t>
-            </a:r>
+              <a:t>-</a:t>
+            </a:r>
+            <a:r>
+              <a:rPr lang="pt-BR" sz="2300" dirty="0" smtClean="0"/>
+              <a:t>Nicholas</a:t>
+            </a:r>
+            <a:endParaRPr lang="pt-BR" sz="2300" dirty="0"/>
           </a:p>
         </p:txBody>
       </p:sp>
@@ -7766,7 +7771,7 @@
                 <a16:creationId xmlns:a16="http://schemas.microsoft.com/office/drawing/2014/main" id="{F8A1C807-B9AD-4C9B-BF9F-60F03428998E}"/>
               </a:ext>
               <a:ext uri="{C183D7F6-B498-43B3-948B-1728B52AA6E4}">
-                <adec:decorative xmlns:adec="http://schemas.microsoft.com/office/drawing/2017/decorative" val="1"/>
+                <adec:decorative xmlns:adec="http://schemas.microsoft.com/office/drawing/2017/decorative" xmlns="" val="1"/>
               </a:ext>
             </a:extLst>
           </p:cNvPr>
@@ -7909,7 +7914,7 @@
                 <a16:creationId xmlns:a16="http://schemas.microsoft.com/office/drawing/2014/main" id="{F8A1C807-B9AD-4C9B-BF9F-60F03428998E}"/>
               </a:ext>
               <a:ext uri="{C183D7F6-B498-43B3-948B-1728B52AA6E4}">
-                <adec:decorative xmlns:adec="http://schemas.microsoft.com/office/drawing/2017/decorative" val="1"/>
+                <adec:decorative xmlns:adec="http://schemas.microsoft.com/office/drawing/2017/decorative" xmlns="" val="1"/>
               </a:ext>
             </a:extLst>
           </p:cNvPr>
@@ -8071,7 +8076,7 @@
                 <a16:creationId xmlns:a16="http://schemas.microsoft.com/office/drawing/2014/main" id="{0EF2A0DA-AE81-4A45-972E-646AC2870C2F}"/>
               </a:ext>
               <a:ext uri="{C183D7F6-B498-43B3-948B-1728B52AA6E4}">
-                <adec:decorative xmlns:adec="http://schemas.microsoft.com/office/drawing/2017/decorative" val="1"/>
+                <adec:decorative xmlns:adec="http://schemas.microsoft.com/office/drawing/2017/decorative" xmlns="" val="1"/>
               </a:ext>
             </a:extLst>
           </p:cNvPr>
@@ -8160,7 +8165,7 @@
                 <a16:creationId xmlns:a16="http://schemas.microsoft.com/office/drawing/2014/main" id="{72B2D6DE-C9B5-4678-91EF-77E85F2350DA}"/>
               </a:ext>
               <a:ext uri="{C183D7F6-B498-43B3-948B-1728B52AA6E4}">
-                <adec:decorative xmlns:adec="http://schemas.microsoft.com/office/drawing/2017/decorative" val="1"/>
+                <adec:decorative xmlns:adec="http://schemas.microsoft.com/office/drawing/2017/decorative" xmlns="" val="1"/>
               </a:ext>
             </a:extLst>
           </p:cNvPr>
@@ -8198,7 +8203,7 @@
                 <a16:creationId xmlns:a16="http://schemas.microsoft.com/office/drawing/2014/main" id="{B536FA4E-0152-4E27-91DA-0FC22D1846BB}"/>
               </a:ext>
               <a:ext uri="{C183D7F6-B498-43B3-948B-1728B52AA6E4}">
-                <adec:decorative xmlns:adec="http://schemas.microsoft.com/office/drawing/2017/decorative" val="1"/>
+                <adec:decorative xmlns:adec="http://schemas.microsoft.com/office/drawing/2017/decorative" xmlns="" val="1"/>
               </a:ext>
             </a:extLst>
           </p:cNvPr>
@@ -8419,7 +8424,7 @@
                 <a16:creationId xmlns:a16="http://schemas.microsoft.com/office/drawing/2014/main" id="{F8A1C807-B9AD-4C9B-BF9F-60F03428998E}"/>
               </a:ext>
               <a:ext uri="{C183D7F6-B498-43B3-948B-1728B52AA6E4}">
-                <adec:decorative xmlns:adec="http://schemas.microsoft.com/office/drawing/2017/decorative" val="1"/>
+                <adec:decorative xmlns:adec="http://schemas.microsoft.com/office/drawing/2017/decorative" xmlns="" val="1"/>
               </a:ext>
             </a:extLst>
           </p:cNvPr>
@@ -8562,7 +8567,7 @@
                 <a16:creationId xmlns:a16="http://schemas.microsoft.com/office/drawing/2014/main" id="{F8A1C807-B9AD-4C9B-BF9F-60F03428998E}"/>
               </a:ext>
               <a:ext uri="{C183D7F6-B498-43B3-948B-1728B52AA6E4}">
-                <adec:decorative xmlns:adec="http://schemas.microsoft.com/office/drawing/2017/decorative" val="1"/>
+                <adec:decorative xmlns:adec="http://schemas.microsoft.com/office/drawing/2017/decorative" xmlns="" val="1"/>
               </a:ext>
             </a:extLst>
           </p:cNvPr>
@@ -8705,7 +8710,7 @@
                 <a16:creationId xmlns:a16="http://schemas.microsoft.com/office/drawing/2014/main" id="{F8A1C807-B9AD-4C9B-BF9F-60F03428998E}"/>
               </a:ext>
               <a:ext uri="{C183D7F6-B498-43B3-948B-1728B52AA6E4}">
-                <adec:decorative xmlns:adec="http://schemas.microsoft.com/office/drawing/2017/decorative" val="1"/>
+                <adec:decorative xmlns:adec="http://schemas.microsoft.com/office/drawing/2017/decorative" xmlns="" val="1"/>
               </a:ext>
             </a:extLst>
           </p:cNvPr>
@@ -8848,7 +8853,7 @@
                 <a16:creationId xmlns:a16="http://schemas.microsoft.com/office/drawing/2014/main" id="{F8A1C807-B9AD-4C9B-BF9F-60F03428998E}"/>
               </a:ext>
               <a:ext uri="{C183D7F6-B498-43B3-948B-1728B52AA6E4}">
-                <adec:decorative xmlns:adec="http://schemas.microsoft.com/office/drawing/2017/decorative" val="1"/>
+                <adec:decorative xmlns:adec="http://schemas.microsoft.com/office/drawing/2017/decorative" xmlns="" val="1"/>
               </a:ext>
             </a:extLst>
           </p:cNvPr>
@@ -8897,12 +8902,12 @@
         <p:spPr>
           <a:xfrm>
             <a:off x="216569" y="337518"/>
-            <a:ext cx="4215063" cy="1304225"/>
+            <a:ext cx="4215063" cy="1956795"/>
           </a:xfrm>
         </p:spPr>
         <p:txBody>
           <a:bodyPr rtlCol="0">
-            <a:normAutofit fontScale="92500" lnSpcReduction="20000"/>
+            <a:normAutofit lnSpcReduction="10000"/>
           </a:bodyPr>
           <a:lstStyle/>
           <a:p>
@@ -8913,7 +8918,15 @@
                   <a:schemeClr val="bg1"/>
                 </a:solidFill>
               </a:rPr>
-              <a:t>Após o registro da ocorrência, será gerado automaticamente um documento comprovante para o usuário</a:t>
+              <a:t>Após o registro da ocorrência, será gerado automaticamente um documento comprovante para o </a:t>
+            </a:r>
+            <a:r>
+              <a:rPr lang="pt-BR" dirty="0" smtClean="0">
+                <a:solidFill>
+                  <a:schemeClr val="bg1"/>
+                </a:solidFill>
+              </a:rPr>
+              <a:t>usuário, onde o mesmo pode ser acessado pela tela de histórico.</a:t>
             </a:r>
             <a:endParaRPr lang="pt-BR" sz="2300" dirty="0">
               <a:solidFill>
@@ -8991,7 +9004,7 @@
                 <a16:creationId xmlns:a16="http://schemas.microsoft.com/office/drawing/2014/main" id="{F8A1C807-B9AD-4C9B-BF9F-60F03428998E}"/>
               </a:ext>
               <a:ext uri="{C183D7F6-B498-43B3-948B-1728B52AA6E4}">
-                <adec:decorative xmlns:adec="http://schemas.microsoft.com/office/drawing/2017/decorative" val="1"/>
+                <adec:decorative xmlns:adec="http://schemas.microsoft.com/office/drawing/2017/decorative" xmlns="" val="1"/>
               </a:ext>
             </a:extLst>
           </p:cNvPr>
@@ -9134,7 +9147,7 @@
                 <a16:creationId xmlns:a16="http://schemas.microsoft.com/office/drawing/2014/main" id="{F8A1C807-B9AD-4C9B-BF9F-60F03428998E}"/>
               </a:ext>
               <a:ext uri="{C183D7F6-B498-43B3-948B-1728B52AA6E4}">
-                <adec:decorative xmlns:adec="http://schemas.microsoft.com/office/drawing/2017/decorative" val="1"/>
+                <adec:decorative xmlns:adec="http://schemas.microsoft.com/office/drawing/2017/decorative" xmlns="" val="1"/>
               </a:ext>
             </a:extLst>
           </p:cNvPr>
@@ -9277,7 +9290,7 @@
                 <a16:creationId xmlns:a16="http://schemas.microsoft.com/office/drawing/2014/main" id="{F8A1C807-B9AD-4C9B-BF9F-60F03428998E}"/>
               </a:ext>
               <a:ext uri="{C183D7F6-B498-43B3-948B-1728B52AA6E4}">
-                <adec:decorative xmlns:adec="http://schemas.microsoft.com/office/drawing/2017/decorative" val="1"/>
+                <adec:decorative xmlns:adec="http://schemas.microsoft.com/office/drawing/2017/decorative" xmlns="" val="1"/>
               </a:ext>
             </a:extLst>
           </p:cNvPr>
@@ -10220,12 +10233,12 @@
 </file>
 
 <file path=customXml/item1.xml><?xml version="1.0" encoding="utf-8"?>
-<?mso-contentType ?>
-<FormTemplates xmlns="http://schemas.microsoft.com/sharepoint/v3/contenttype/forms">
-  <Display>DocumentLibraryForm</Display>
-  <Edit>DocumentLibraryForm</Edit>
-  <New>DocumentLibraryForm</New>
-</FormTemplates>
+<p:properties xmlns:p="http://schemas.microsoft.com/office/2006/metadata/properties" xmlns:xsi="http://www.w3.org/2001/XMLSchema-instance" xmlns:pc="http://schemas.microsoft.com/office/infopath/2007/PartnerControls">
+  <documentManagement>
+    <Status xmlns="71af3243-3dd4-4a8d-8c0d-dd76da1f02a5">Not started</Status>
+    <MediaServiceKeyPoints xmlns="71af3243-3dd4-4a8d-8c0d-dd76da1f02a5" xsi:nil="true"/>
+  </documentManagement>
+</p:properties>
 </file>
 
 <file path=customXml/item2.xml><?xml version="1.0" encoding="utf-8"?>
@@ -10450,18 +10463,27 @@
 </file>
 
 <file path=customXml/item3.xml><?xml version="1.0" encoding="utf-8"?>
-<p:properties xmlns:p="http://schemas.microsoft.com/office/2006/metadata/properties" xmlns:xsi="http://www.w3.org/2001/XMLSchema-instance" xmlns:pc="http://schemas.microsoft.com/office/infopath/2007/PartnerControls">
-  <documentManagement>
-    <Status xmlns="71af3243-3dd4-4a8d-8c0d-dd76da1f02a5">Not started</Status>
-    <MediaServiceKeyPoints xmlns="71af3243-3dd4-4a8d-8c0d-dd76da1f02a5" xsi:nil="true"/>
-  </documentManagement>
-</p:properties>
+<?mso-contentType ?>
+<FormTemplates xmlns="http://schemas.microsoft.com/sharepoint/v3/contenttype/forms">
+  <Display>DocumentLibraryForm</Display>
+  <Edit>DocumentLibraryForm</Edit>
+  <New>DocumentLibraryForm</New>
+</FormTemplates>
 </file>
 
 <file path=customXml/itemProps1.xml><?xml version="1.0" encoding="utf-8"?>
-<ds:datastoreItem xmlns:ds="http://schemas.openxmlformats.org/officeDocument/2006/customXml" ds:itemID="{64B270AB-C138-415C-897E-3C24487DECF1}">
+<ds:datastoreItem xmlns:ds="http://schemas.openxmlformats.org/officeDocument/2006/customXml" ds:itemID="{2C4C00F4-06E9-43E3-AD97-88A857CEFA82}">
   <ds:schemaRefs>
-    <ds:schemaRef ds:uri="http://schemas.microsoft.com/sharepoint/v3/contenttype/forms"/>
+    <ds:schemaRef ds:uri="http://schemas.openxmlformats.org/package/2006/metadata/core-properties"/>
+    <ds:schemaRef ds:uri="http://schemas.microsoft.com/office/2006/documentManagement/types"/>
+    <ds:schemaRef ds:uri="http://schemas.microsoft.com/office/infopath/2007/PartnerControls"/>
+    <ds:schemaRef ds:uri="http://purl.org/dc/elements/1.1/"/>
+    <ds:schemaRef ds:uri="http://schemas.microsoft.com/office/2006/metadata/properties"/>
+    <ds:schemaRef ds:uri="http://purl.org/dc/terms/"/>
+    <ds:schemaRef ds:uri="16c05727-aa75-4e4a-9b5f-8a80a1165891"/>
+    <ds:schemaRef ds:uri="71af3243-3dd4-4a8d-8c0d-dd76da1f02a5"/>
+    <ds:schemaRef ds:uri="http://www.w3.org/XML/1998/namespace"/>
+    <ds:schemaRef ds:uri="http://purl.org/dc/dcmitype/"/>
   </ds:schemaRefs>
 </ds:datastoreItem>
 </file>
@@ -10486,11 +10508,9 @@
 </file>
 
 <file path=customXml/itemProps3.xml><?xml version="1.0" encoding="utf-8"?>
-<ds:datastoreItem xmlns:ds="http://schemas.openxmlformats.org/officeDocument/2006/customXml" ds:itemID="{2C4C00F4-06E9-43E3-AD97-88A857CEFA82}">
+<ds:datastoreItem xmlns:ds="http://schemas.openxmlformats.org/officeDocument/2006/customXml" ds:itemID="{64B270AB-C138-415C-897E-3C24487DECF1}">
   <ds:schemaRefs>
-    <ds:schemaRef ds:uri="http://schemas.microsoft.com/office/2006/metadata/properties"/>
-    <ds:schemaRef ds:uri="http://schemas.microsoft.com/office/infopath/2007/PartnerControls"/>
-    <ds:schemaRef ds:uri="71af3243-3dd4-4a8d-8c0d-dd76da1f02a5"/>
+    <ds:schemaRef ds:uri="http://schemas.microsoft.com/sharepoint/v3/contenttype/forms"/>
   </ds:schemaRefs>
 </ds:datastoreItem>
 </file>